--- a/IMDB Pres.pptx
+++ b/IMDB Pres.pptx
@@ -5,7 +5,7 @@
     <p:sldMasterId id="2147483686" r:id="rId1"/>
   </p:sldMasterIdLst>
   <p:notesMasterIdLst>
-    <p:notesMasterId r:id="rId10"/>
+    <p:notesMasterId r:id="rId11"/>
   </p:notesMasterIdLst>
   <p:sldIdLst>
     <p:sldId id="256" r:id="rId2"/>
@@ -14,8 +14,9 @@
     <p:sldId id="259" r:id="rId5"/>
     <p:sldId id="260" r:id="rId6"/>
     <p:sldId id="261" r:id="rId7"/>
-    <p:sldId id="262" r:id="rId8"/>
-    <p:sldId id="263" r:id="rId9"/>
+    <p:sldId id="264" r:id="rId8"/>
+    <p:sldId id="262" r:id="rId9"/>
+    <p:sldId id="263" r:id="rId10"/>
   </p:sldIdLst>
   <p:sldSz cx="12192000" cy="6858000"/>
   <p:notesSz cx="6858000" cy="9144000"/>
@@ -5043,14 +5044,17 @@
               </a:spcAft>
             </a:pPr>
             <a:r>
-              <a:rPr lang="en-US"/>
+              <a:rPr lang="en-US" dirty="0"/>
               <a:t>Nathan Higley, Nancy Mathur, Robert </a:t>
             </a:r>
             <a:r>
-              <a:rPr lang="en-US" err="1"/>
+              <a:rPr lang="en-US" dirty="0" err="1"/>
               <a:t>McLauchlan</a:t>
             </a:r>
-            <a:endParaRPr lang="en-US"/>
+            <a:r>
+              <a:rPr lang="en-US" dirty="0"/>
+              <a:t>, Ryan Winn</a:t>
+            </a:r>
           </a:p>
         </p:txBody>
       </p:sp>
@@ -6889,7 +6893,7 @@
         </p:nvSpPr>
         <p:spPr>
           <a:xfrm>
-            <a:off x="7844638" y="1600200"/>
+            <a:off x="7859442" y="640855"/>
             <a:ext cx="3238501" cy="3054847"/>
           </a:xfrm>
         </p:spPr>
@@ -6905,7 +6909,7 @@
               </a:lnSpc>
             </a:pPr>
             <a:r>
-              <a:rPr lang="en-US" sz="4800" b="0" cap="all" spc="-100"/>
+              <a:rPr lang="en-US" b="0" cap="all" spc="-100" dirty="0"/>
               <a:t>Linear Regression </a:t>
             </a:r>
           </a:p>
@@ -7225,7 +7229,7 @@
         </p:blipFill>
         <p:spPr>
           <a:xfrm>
-            <a:off x="7990560" y="3692084"/>
+            <a:off x="8014770" y="3028726"/>
             <a:ext cx="2976267" cy="2135471"/>
           </a:xfrm>
           <a:prstGeom prst="rect">
@@ -7897,7 +7901,7 @@
         </p:nvSpPr>
         <p:spPr>
           <a:xfrm>
-            <a:off x="1241170" y="3755360"/>
+            <a:off x="1307868" y="4582617"/>
             <a:ext cx="9732773" cy="1465112"/>
           </a:xfrm>
         </p:spPr>
@@ -7913,7 +7917,7 @@
               </a:lnSpc>
             </a:pPr>
             <a:r>
-              <a:rPr lang="en-US" sz="5400" b="0" cap="all" spc="-100"/>
+              <a:rPr lang="en-US" sz="5400" b="0" cap="all" spc="-100" dirty="0"/>
               <a:t>Random Forrest </a:t>
             </a:r>
           </a:p>
@@ -8173,8 +8177,8 @@
         </p:blipFill>
         <p:spPr>
           <a:xfrm>
-            <a:off x="1371600" y="1642159"/>
-            <a:ext cx="4563534" cy="1722733"/>
+            <a:off x="940107" y="1524367"/>
+            <a:ext cx="4849717" cy="1830767"/>
           </a:xfrm>
           <a:prstGeom prst="rect">
             <a:avLst/>
@@ -8228,6 +8232,14 @@
 <file path=ppt/slides/slide6.xml><?xml version="1.0" encoding="utf-8"?>
 <p:sld xmlns:a="http://schemas.openxmlformats.org/drawingml/2006/main" xmlns:r="http://schemas.openxmlformats.org/officeDocument/2006/relationships" xmlns:p="http://schemas.openxmlformats.org/presentationml/2006/main">
   <p:cSld>
+    <p:bg>
+      <p:bgPr>
+        <a:solidFill>
+          <a:schemeClr val="bg1"/>
+        </a:solidFill>
+        <a:effectLst/>
+      </p:bgPr>
+    </p:bg>
     <p:spTree>
       <p:nvGrpSpPr>
         <p:cNvPr id="1" name=""/>
@@ -8242,6 +8254,331 @@
           <a:chExt cx="0" cy="0"/>
         </a:xfrm>
       </p:grpSpPr>
+      <p:sp useBgFill="1">
+        <p:nvSpPr>
+          <p:cNvPr id="60" name="Rectangle 59">
+            <a:extLst>
+              <a:ext uri="{FF2B5EF4-FFF2-40B4-BE49-F238E27FC236}">
+                <a16:creationId xmlns:a16="http://schemas.microsoft.com/office/drawing/2014/main" id="{55755B45-957A-4742-A9E3-0CE010E5D391}"/>
+              </a:ext>
+              <a:ext uri="{C183D7F6-B498-43B3-948B-1728B52AA6E4}">
+                <adec:decorative xmlns:adec="http://schemas.microsoft.com/office/drawing/2017/decorative" val="1"/>
+              </a:ext>
+            </a:extLst>
+          </p:cNvPr>
+          <p:cNvSpPr>
+            <a:spLocks noGrp="1" noRot="1" noChangeAspect="1" noMove="1" noResize="1" noEditPoints="1" noAdjustHandles="1" noChangeArrowheads="1" noChangeShapeType="1" noTextEdit="1"/>
+          </p:cNvSpPr>
+          <p:nvPr>
+            <p:extLst>
+              <p:ext uri="{386F3935-93C4-4BCD-93E2-E3B085C9AB24}">
+                <p16:designElem xmlns:p16="http://schemas.microsoft.com/office/powerpoint/2015/main" val="1"/>
+              </p:ext>
+            </p:extLst>
+          </p:nvPr>
+        </p:nvSpPr>
+        <p:spPr>
+          <a:xfrm>
+            <a:off x="-1866" y="0"/>
+            <a:ext cx="12193866" cy="6858000"/>
+          </a:xfrm>
+          <a:prstGeom prst="rect">
+            <a:avLst/>
+          </a:prstGeom>
+          <a:ln>
+            <a:noFill/>
+          </a:ln>
+        </p:spPr>
+        <p:style>
+          <a:lnRef idx="2">
+            <a:schemeClr val="accent1">
+              <a:shade val="50000"/>
+            </a:schemeClr>
+          </a:lnRef>
+          <a:fillRef idx="1">
+            <a:schemeClr val="accent1"/>
+          </a:fillRef>
+          <a:effectRef idx="0">
+            <a:schemeClr val="accent1"/>
+          </a:effectRef>
+          <a:fontRef idx="minor">
+            <a:schemeClr val="lt1"/>
+          </a:fontRef>
+        </p:style>
+        <p:txBody>
+          <a:bodyPr rtlCol="0" anchor="ctr"/>
+          <a:lstStyle/>
+          <a:p>
+            <a:pPr algn="ctr"/>
+            <a:endParaRPr lang="en-US"/>
+          </a:p>
+        </p:txBody>
+      </p:sp>
+      <p:sp>
+        <p:nvSpPr>
+          <p:cNvPr id="62" name="Rectangle 61">
+            <a:extLst>
+              <a:ext uri="{FF2B5EF4-FFF2-40B4-BE49-F238E27FC236}">
+                <a16:creationId xmlns:a16="http://schemas.microsoft.com/office/drawing/2014/main" id="{806138D8-324C-4D6A-BBEC-8F609F339D52}"/>
+              </a:ext>
+              <a:ext uri="{C183D7F6-B498-43B3-948B-1728B52AA6E4}">
+                <adec:decorative xmlns:adec="http://schemas.microsoft.com/office/drawing/2017/decorative" val="1"/>
+              </a:ext>
+            </a:extLst>
+          </p:cNvPr>
+          <p:cNvSpPr>
+            <a:spLocks noGrp="1" noRot="1" noChangeAspect="1" noMove="1" noResize="1" noEditPoints="1" noAdjustHandles="1" noChangeArrowheads="1" noChangeShapeType="1" noTextEdit="1"/>
+          </p:cNvSpPr>
+          <p:nvPr>
+            <p:extLst>
+              <p:ext uri="{386F3935-93C4-4BCD-93E2-E3B085C9AB24}">
+                <p16:designElem xmlns:p16="http://schemas.microsoft.com/office/powerpoint/2015/main" val="1"/>
+              </p:ext>
+            </p:extLst>
+          </p:nvPr>
+        </p:nvSpPr>
+        <p:spPr>
+          <a:xfrm>
+            <a:off x="448847" y="317271"/>
+            <a:ext cx="3612884" cy="1981181"/>
+          </a:xfrm>
+          <a:prstGeom prst="rect">
+            <a:avLst/>
+          </a:prstGeom>
+          <a:solidFill>
+            <a:srgbClr val="FFFFFF"/>
+          </a:solidFill>
+          <a:ln w="6350" cap="flat" cmpd="sng" algn="ctr">
+            <a:noFill/>
+            <a:prstDash val="solid"/>
+          </a:ln>
+          <a:effectLst>
+            <a:outerShdw blurRad="50800" algn="ctr" rotWithShape="0">
+              <a:prstClr val="black">
+                <a:alpha val="66000"/>
+              </a:prstClr>
+            </a:outerShdw>
+            <a:softEdge rad="0"/>
+          </a:effectLst>
+        </p:spPr>
+      </p:sp>
+      <p:pic>
+        <p:nvPicPr>
+          <p:cNvPr id="5" name="Content Placeholder 4" descr="A screenshot of a cell phone&#10;&#10;Description automatically generated">
+            <a:extLst>
+              <a:ext uri="{FF2B5EF4-FFF2-40B4-BE49-F238E27FC236}">
+                <a16:creationId xmlns:a16="http://schemas.microsoft.com/office/drawing/2014/main" id="{8CAE7010-49B3-C549-B806-00B030F9BFE6}"/>
+              </a:ext>
+            </a:extLst>
+          </p:cNvPr>
+          <p:cNvPicPr>
+            <a:picLocks noChangeAspect="1"/>
+          </p:cNvPicPr>
+          <p:nvPr/>
+        </p:nvPicPr>
+        <p:blipFill>
+          <a:blip r:embed="rId2"/>
+          <a:stretch>
+            <a:fillRect/>
+          </a:stretch>
+        </p:blipFill>
+        <p:spPr>
+          <a:xfrm>
+            <a:off x="927186" y="480329"/>
+            <a:ext cx="2658738" cy="1655064"/>
+          </a:xfrm>
+          <a:prstGeom prst="rect">
+            <a:avLst/>
+          </a:prstGeom>
+        </p:spPr>
+      </p:pic>
+      <p:sp>
+        <p:nvSpPr>
+          <p:cNvPr id="64" name="Rectangle 63">
+            <a:extLst>
+              <a:ext uri="{FF2B5EF4-FFF2-40B4-BE49-F238E27FC236}">
+                <a16:creationId xmlns:a16="http://schemas.microsoft.com/office/drawing/2014/main" id="{08868F16-B2BC-46C1-B46D-A5CB3A62B3CB}"/>
+              </a:ext>
+              <a:ext uri="{C183D7F6-B498-43B3-948B-1728B52AA6E4}">
+                <adec:decorative xmlns:adec="http://schemas.microsoft.com/office/drawing/2017/decorative" val="1"/>
+              </a:ext>
+            </a:extLst>
+          </p:cNvPr>
+          <p:cNvSpPr>
+            <a:spLocks noGrp="1" noRot="1" noChangeAspect="1" noMove="1" noResize="1" noEditPoints="1" noAdjustHandles="1" noChangeArrowheads="1" noChangeShapeType="1" noTextEdit="1"/>
+          </p:cNvSpPr>
+          <p:nvPr>
+            <p:extLst>
+              <p:ext uri="{386F3935-93C4-4BCD-93E2-E3B085C9AB24}">
+                <p16:designElem xmlns:p16="http://schemas.microsoft.com/office/powerpoint/2015/main" val="1"/>
+              </p:ext>
+            </p:extLst>
+          </p:nvPr>
+        </p:nvSpPr>
+        <p:spPr>
+          <a:xfrm>
+            <a:off x="448847" y="2457622"/>
+            <a:ext cx="3612884" cy="1981181"/>
+          </a:xfrm>
+          <a:prstGeom prst="rect">
+            <a:avLst/>
+          </a:prstGeom>
+          <a:solidFill>
+            <a:srgbClr val="FFFFFF"/>
+          </a:solidFill>
+          <a:ln w="6350" cap="flat" cmpd="sng" algn="ctr">
+            <a:noFill/>
+            <a:prstDash val="solid"/>
+          </a:ln>
+          <a:effectLst>
+            <a:outerShdw blurRad="50800" algn="ctr" rotWithShape="0">
+              <a:prstClr val="black">
+                <a:alpha val="66000"/>
+              </a:prstClr>
+            </a:outerShdw>
+            <a:softEdge rad="0"/>
+          </a:effectLst>
+        </p:spPr>
+      </p:sp>
+      <p:sp>
+        <p:nvSpPr>
+          <p:cNvPr id="66" name="Rectangle 65">
+            <a:extLst>
+              <a:ext uri="{FF2B5EF4-FFF2-40B4-BE49-F238E27FC236}">
+                <a16:creationId xmlns:a16="http://schemas.microsoft.com/office/drawing/2014/main" id="{8A0B9327-25BA-4F08-AA14-9FE25BD4CF1F}"/>
+              </a:ext>
+              <a:ext uri="{C183D7F6-B498-43B3-948B-1728B52AA6E4}">
+                <adec:decorative xmlns:adec="http://schemas.microsoft.com/office/drawing/2017/decorative" val="1"/>
+              </a:ext>
+            </a:extLst>
+          </p:cNvPr>
+          <p:cNvSpPr>
+            <a:spLocks noGrp="1" noRot="1" noChangeAspect="1" noMove="1" noResize="1" noEditPoints="1" noAdjustHandles="1" noChangeArrowheads="1" noChangeShapeType="1" noTextEdit="1"/>
+          </p:cNvSpPr>
+          <p:nvPr>
+            <p:extLst>
+              <p:ext uri="{386F3935-93C4-4BCD-93E2-E3B085C9AB24}">
+                <p16:designElem xmlns:p16="http://schemas.microsoft.com/office/powerpoint/2015/main" val="1"/>
+              </p:ext>
+            </p:extLst>
+          </p:nvPr>
+        </p:nvSpPr>
+        <p:spPr>
+          <a:xfrm>
+            <a:off x="448847" y="4639075"/>
+            <a:ext cx="3612884" cy="1981181"/>
+          </a:xfrm>
+          <a:prstGeom prst="rect">
+            <a:avLst/>
+          </a:prstGeom>
+          <a:solidFill>
+            <a:srgbClr val="FFFFFF"/>
+          </a:solidFill>
+          <a:ln w="6350" cap="flat" cmpd="sng" algn="ctr">
+            <a:noFill/>
+            <a:prstDash val="solid"/>
+          </a:ln>
+          <a:effectLst>
+            <a:outerShdw blurRad="50800" algn="ctr" rotWithShape="0">
+              <a:prstClr val="black">
+                <a:alpha val="66000"/>
+              </a:prstClr>
+            </a:outerShdw>
+            <a:softEdge rad="0"/>
+          </a:effectLst>
+        </p:spPr>
+      </p:sp>
+      <p:sp>
+        <p:nvSpPr>
+          <p:cNvPr id="68" name="Rectangle 67">
+            <a:extLst>
+              <a:ext uri="{FF2B5EF4-FFF2-40B4-BE49-F238E27FC236}">
+                <a16:creationId xmlns:a16="http://schemas.microsoft.com/office/drawing/2014/main" id="{44FE01E5-387C-4105-BA22-BB0F83D2D7CF}"/>
+              </a:ext>
+              <a:ext uri="{C183D7F6-B498-43B3-948B-1728B52AA6E4}">
+                <adec:decorative xmlns:adec="http://schemas.microsoft.com/office/drawing/2017/decorative" val="1"/>
+              </a:ext>
+            </a:extLst>
+          </p:cNvPr>
+          <p:cNvSpPr>
+            <a:spLocks noGrp="1" noRot="1" noChangeAspect="1" noMove="1" noResize="1" noEditPoints="1" noAdjustHandles="1" noChangeArrowheads="1" noChangeShapeType="1" noTextEdit="1"/>
+          </p:cNvSpPr>
+          <p:nvPr>
+            <p:extLst>
+              <p:ext uri="{386F3935-93C4-4BCD-93E2-E3B085C9AB24}">
+                <p16:designElem xmlns:p16="http://schemas.microsoft.com/office/powerpoint/2015/main" val="1"/>
+              </p:ext>
+            </p:extLst>
+          </p:nvPr>
+        </p:nvSpPr>
+        <p:spPr>
+          <a:xfrm>
+            <a:off x="4343736" y="237744"/>
+            <a:ext cx="7613567" cy="6382512"/>
+          </a:xfrm>
+          <a:prstGeom prst="rect">
+            <a:avLst/>
+          </a:prstGeom>
+          <a:solidFill>
+            <a:schemeClr val="bg1">
+              <a:lumMod val="75000"/>
+              <a:alpha val="60000"/>
+            </a:schemeClr>
+          </a:solidFill>
+          <a:ln w="6350" cap="flat" cmpd="sng" algn="ctr">
+            <a:noFill/>
+            <a:prstDash val="solid"/>
+          </a:ln>
+          <a:effectLst>
+            <a:softEdge rad="0"/>
+          </a:effectLst>
+        </p:spPr>
+      </p:sp>
+      <p:sp>
+        <p:nvSpPr>
+          <p:cNvPr id="70" name="Rectangle 69">
+            <a:extLst>
+              <a:ext uri="{FF2B5EF4-FFF2-40B4-BE49-F238E27FC236}">
+                <a16:creationId xmlns:a16="http://schemas.microsoft.com/office/drawing/2014/main" id="{991EB720-A2E8-4C62-BDBB-5627006D7AA7}"/>
+              </a:ext>
+              <a:ext uri="{C183D7F6-B498-43B3-948B-1728B52AA6E4}">
+                <adec:decorative xmlns:adec="http://schemas.microsoft.com/office/drawing/2017/decorative" val="1"/>
+              </a:ext>
+            </a:extLst>
+          </p:cNvPr>
+          <p:cNvSpPr>
+            <a:spLocks noGrp="1" noRot="1" noChangeAspect="1" noMove="1" noResize="1" noEditPoints="1" noAdjustHandles="1" noChangeArrowheads="1" noChangeShapeType="1" noTextEdit="1"/>
+          </p:cNvSpPr>
+          <p:nvPr>
+            <p:extLst>
+              <p:ext uri="{386F3935-93C4-4BCD-93E2-E3B085C9AB24}">
+                <p16:designElem xmlns:p16="http://schemas.microsoft.com/office/powerpoint/2015/main" val="1"/>
+              </p:ext>
+            </p:extLst>
+          </p:nvPr>
+        </p:nvSpPr>
+        <p:spPr>
+          <a:xfrm>
+            <a:off x="4509522" y="374904"/>
+            <a:ext cx="7310622" cy="6108192"/>
+          </a:xfrm>
+          <a:prstGeom prst="rect">
+            <a:avLst/>
+          </a:prstGeom>
+          <a:noFill/>
+          <a:ln w="6350" cap="sq" cmpd="sng" algn="ctr">
+            <a:solidFill>
+              <a:schemeClr val="tx1">
+                <a:lumMod val="75000"/>
+                <a:lumOff val="25000"/>
+              </a:schemeClr>
+            </a:solidFill>
+            <a:prstDash val="solid"/>
+            <a:miter lim="800000"/>
+          </a:ln>
+          <a:effectLst/>
+        </p:spPr>
+      </p:sp>
       <p:sp>
         <p:nvSpPr>
           <p:cNvPr id="2" name="Title 1">
@@ -8258,43 +8595,120 @@
             <p:ph type="title"/>
           </p:nvPr>
         </p:nvSpPr>
-        <p:spPr/>
-        <p:txBody>
-          <a:bodyPr/>
+        <p:spPr>
+          <a:xfrm>
+            <a:off x="4956055" y="892120"/>
+            <a:ext cx="6359070" cy="1645920"/>
+          </a:xfrm>
+        </p:spPr>
+        <p:txBody>
+          <a:bodyPr vert="horz" lIns="91440" tIns="45720" rIns="91440" bIns="45720" rtlCol="0">
+            <a:normAutofit/>
+          </a:bodyPr>
+          <a:lstStyle/>
+          <a:p>
+            <a:r>
+              <a:rPr lang="en-US" b="0" cap="all" spc="-100"/>
+              <a:t>Deep Learning Model</a:t>
+            </a:r>
+          </a:p>
+        </p:txBody>
+      </p:sp>
+      <p:sp>
+        <p:nvSpPr>
+          <p:cNvPr id="48" name="Content Placeholder 47">
+            <a:extLst>
+              <a:ext uri="{FF2B5EF4-FFF2-40B4-BE49-F238E27FC236}">
+                <a16:creationId xmlns:a16="http://schemas.microsoft.com/office/drawing/2014/main" id="{65A79F0A-A85E-4314-9FC3-C86EF04ACC03}"/>
+              </a:ext>
+            </a:extLst>
+          </p:cNvPr>
+          <p:cNvSpPr>
+            <a:spLocks noGrp="1"/>
+          </p:cNvSpPr>
+          <p:nvPr>
+            <p:ph idx="1"/>
+          </p:nvPr>
+        </p:nvSpPr>
+        <p:spPr>
+          <a:xfrm>
+            <a:off x="4956055" y="2679192"/>
+            <a:ext cx="6359070" cy="3291840"/>
+          </a:xfrm>
+        </p:spPr>
+        <p:txBody>
+          <a:bodyPr>
+            <a:normAutofit/>
+          </a:bodyPr>
           <a:lstStyle/>
           <a:p>
             <a:r>
               <a:rPr lang="en-US" dirty="0"/>
-              <a:t>Deep Learning Model</a:t>
+              <a:t>5 Classes</a:t>
             </a:r>
           </a:p>
         </p:txBody>
       </p:sp>
-      <p:sp>
-        <p:nvSpPr>
-          <p:cNvPr id="3" name="Content Placeholder 2">
+      <p:pic>
+        <p:nvPicPr>
+          <p:cNvPr id="9" name="Content Placeholder 8" descr="A screenshot of a cell phone&#10;&#10;Description automatically generated">
             <a:extLst>
               <a:ext uri="{FF2B5EF4-FFF2-40B4-BE49-F238E27FC236}">
-                <a16:creationId xmlns:a16="http://schemas.microsoft.com/office/drawing/2014/main" id="{48EC6F9C-C375-8A40-97EB-AA70294A28BC}"/>
+                <a16:creationId xmlns:a16="http://schemas.microsoft.com/office/drawing/2014/main" id="{4585460C-61D8-214E-B2A8-817A13541933}"/>
               </a:ext>
             </a:extLst>
           </p:cNvPr>
-          <p:cNvSpPr>
-            <a:spLocks noGrp="1"/>
-          </p:cNvSpPr>
-          <p:nvPr>
-            <p:ph idx="1"/>
-          </p:nvPr>
-        </p:nvSpPr>
-        <p:spPr/>
-        <p:txBody>
-          <a:bodyPr/>
-          <a:lstStyle/>
-          <a:p>
-            <a:endParaRPr lang="en-US"/>
-          </a:p>
-        </p:txBody>
-      </p:sp>
+          <p:cNvPicPr>
+            <a:picLocks noChangeAspect="1"/>
+          </p:cNvPicPr>
+          <p:nvPr/>
+        </p:nvPicPr>
+        <p:blipFill>
+          <a:blip r:embed="rId3"/>
+          <a:stretch>
+            <a:fillRect/>
+          </a:stretch>
+        </p:blipFill>
+        <p:spPr>
+          <a:xfrm>
+            <a:off x="625974" y="2964459"/>
+            <a:ext cx="3258630" cy="610992"/>
+          </a:xfrm>
+          <a:prstGeom prst="rect">
+            <a:avLst/>
+          </a:prstGeom>
+        </p:spPr>
+      </p:pic>
+      <p:pic>
+        <p:nvPicPr>
+          <p:cNvPr id="7" name="Picture 6" descr="A screenshot of a cell phone&#10;&#10;Description automatically generated">
+            <a:extLst>
+              <a:ext uri="{FF2B5EF4-FFF2-40B4-BE49-F238E27FC236}">
+                <a16:creationId xmlns:a16="http://schemas.microsoft.com/office/drawing/2014/main" id="{1CDCFFC4-167D-5F43-9404-269BE10499BC}"/>
+              </a:ext>
+            </a:extLst>
+          </p:cNvPr>
+          <p:cNvPicPr>
+            <a:picLocks noChangeAspect="1"/>
+          </p:cNvPicPr>
+          <p:nvPr/>
+        </p:nvPicPr>
+        <p:blipFill>
+          <a:blip r:embed="rId4"/>
+          <a:stretch>
+            <a:fillRect/>
+          </a:stretch>
+        </p:blipFill>
+        <p:spPr>
+          <a:xfrm>
+            <a:off x="541620" y="4982668"/>
+            <a:ext cx="3258630" cy="863537"/>
+          </a:xfrm>
+          <a:prstGeom prst="rect">
+            <a:avLst/>
+          </a:prstGeom>
+        </p:spPr>
+      </p:pic>
     </p:spTree>
     <p:extLst>
       <p:ext uri="{BB962C8B-B14F-4D97-AF65-F5344CB8AC3E}">
@@ -8330,6 +8744,86 @@
           <p:cNvPr id="2" name="Title 1">
             <a:extLst>
               <a:ext uri="{FF2B5EF4-FFF2-40B4-BE49-F238E27FC236}">
+                <a16:creationId xmlns:a16="http://schemas.microsoft.com/office/drawing/2014/main" id="{7B89C3D2-3F05-244A-9C2B-4E82D4EA5D5C}"/>
+              </a:ext>
+            </a:extLst>
+          </p:cNvPr>
+          <p:cNvSpPr>
+            <a:spLocks noGrp="1"/>
+          </p:cNvSpPr>
+          <p:nvPr>
+            <p:ph type="title"/>
+          </p:nvPr>
+        </p:nvSpPr>
+        <p:spPr/>
+        <p:txBody>
+          <a:bodyPr/>
+          <a:lstStyle/>
+          <a:p>
+            <a:endParaRPr lang="en-US"/>
+          </a:p>
+        </p:txBody>
+      </p:sp>
+      <p:sp>
+        <p:nvSpPr>
+          <p:cNvPr id="3" name="Content Placeholder 2">
+            <a:extLst>
+              <a:ext uri="{FF2B5EF4-FFF2-40B4-BE49-F238E27FC236}">
+                <a16:creationId xmlns:a16="http://schemas.microsoft.com/office/drawing/2014/main" id="{FB40ABAC-B40B-8944-9A47-D87D9E113F69}"/>
+              </a:ext>
+            </a:extLst>
+          </p:cNvPr>
+          <p:cNvSpPr>
+            <a:spLocks noGrp="1"/>
+          </p:cNvSpPr>
+          <p:nvPr>
+            <p:ph idx="1"/>
+          </p:nvPr>
+        </p:nvSpPr>
+        <p:spPr/>
+        <p:txBody>
+          <a:bodyPr/>
+          <a:lstStyle/>
+          <a:p>
+            <a:endParaRPr lang="en-US"/>
+          </a:p>
+        </p:txBody>
+      </p:sp>
+    </p:spTree>
+    <p:extLst>
+      <p:ext uri="{BB962C8B-B14F-4D97-AF65-F5344CB8AC3E}">
+        <p14:creationId xmlns:p14="http://schemas.microsoft.com/office/powerpoint/2010/main" val="3141874558"/>
+      </p:ext>
+    </p:extLst>
+  </p:cSld>
+  <p:clrMapOvr>
+    <a:masterClrMapping/>
+  </p:clrMapOvr>
+</p:sld>
+</file>
+
+<file path=ppt/slides/slide8.xml><?xml version="1.0" encoding="utf-8"?>
+<p:sld xmlns:a="http://schemas.openxmlformats.org/drawingml/2006/main" xmlns:r="http://schemas.openxmlformats.org/officeDocument/2006/relationships" xmlns:p="http://schemas.openxmlformats.org/presentationml/2006/main">
+  <p:cSld>
+    <p:spTree>
+      <p:nvGrpSpPr>
+        <p:cNvPr id="1" name=""/>
+        <p:cNvGrpSpPr/>
+        <p:nvPr/>
+      </p:nvGrpSpPr>
+      <p:grpSpPr>
+        <a:xfrm>
+          <a:off x="0" y="0"/>
+          <a:ext cx="0" cy="0"/>
+          <a:chOff x="0" y="0"/>
+          <a:chExt cx="0" cy="0"/>
+        </a:xfrm>
+      </p:grpSpPr>
+      <p:sp>
+        <p:nvSpPr>
+          <p:cNvPr id="2" name="Title 1">
+            <a:extLst>
+              <a:ext uri="{FF2B5EF4-FFF2-40B4-BE49-F238E27FC236}">
                 <a16:creationId xmlns:a16="http://schemas.microsoft.com/office/drawing/2014/main" id="{DDD21612-FF2D-B641-B857-A0BE8AE8E882}"/>
               </a:ext>
             </a:extLst>
@@ -8392,7 +8886,7 @@
 </p:sld>
 </file>
 
-<file path=ppt/slides/slide8.xml><?xml version="1.0" encoding="utf-8"?>
+<file path=ppt/slides/slide9.xml><?xml version="1.0" encoding="utf-8"?>
 <p:sld xmlns:a="http://schemas.openxmlformats.org/drawingml/2006/main" xmlns:r="http://schemas.openxmlformats.org/officeDocument/2006/relationships" xmlns:p="http://schemas.openxmlformats.org/presentationml/2006/main">
   <p:cSld>
     <p:spTree>

--- a/IMDB Pres.pptx
+++ b/IMDB Pres.pptx
@@ -5,7 +5,7 @@
     <p:sldMasterId id="2147483686" r:id="rId1"/>
   </p:sldMasterIdLst>
   <p:notesMasterIdLst>
-    <p:notesMasterId r:id="rId11"/>
+    <p:notesMasterId r:id="rId13"/>
   </p:notesMasterIdLst>
   <p:sldIdLst>
     <p:sldId id="256" r:id="rId2"/>
@@ -14,9 +14,11 @@
     <p:sldId id="259" r:id="rId5"/>
     <p:sldId id="260" r:id="rId6"/>
     <p:sldId id="261" r:id="rId7"/>
-    <p:sldId id="264" r:id="rId8"/>
-    <p:sldId id="262" r:id="rId9"/>
-    <p:sldId id="263" r:id="rId10"/>
+    <p:sldId id="265" r:id="rId8"/>
+    <p:sldId id="266" r:id="rId9"/>
+    <p:sldId id="264" r:id="rId10"/>
+    <p:sldId id="262" r:id="rId11"/>
+    <p:sldId id="263" r:id="rId12"/>
   </p:sldIdLst>
   <p:sldSz cx="12192000" cy="6858000"/>
   <p:notesSz cx="6858000" cy="9144000"/>
@@ -115,6 +117,11 @@
       </a:defRPr>
     </a:lvl9pPr>
   </p:defaultTextStyle>
+  <p:extLst>
+    <p:ext uri="{EFAFB233-063F-42B5-8137-9DF3F51BA10A}">
+      <p15:sldGuideLst xmlns:p15="http://schemas.microsoft.com/office/powerpoint/2012/main"/>
+    </p:ext>
+  </p:extLst>
 </p:presentation>
 </file>
 
@@ -200,7 +207,7 @@
           <a:p>
             <a:fld id="{05927D79-331F-3442-BED9-C9C84EBB6075}" type="datetimeFigureOut">
               <a:rPr lang="en-US" smtClean="0"/>
-              <a:t>5/31/20</a:t>
+              <a:t>6/1/20</a:t>
             </a:fld>
             <a:endParaRPr lang="en-US"/>
           </a:p>
@@ -1020,7 +1027,7 @@
           <a:p>
             <a:fld id="{EA0C0817-A112-4847-8014-A94B7D2A4EA3}" type="datetime1">
               <a:rPr lang="en-US" smtClean="0"/>
-              <a:t>5/31/20</a:t>
+              <a:t>6/1/20</a:t>
             </a:fld>
             <a:endParaRPr lang="en-US" dirty="0"/>
           </a:p>
@@ -1222,7 +1229,7 @@
           <a:p>
             <a:fld id="{134F40B7-36AB-4376-BE14-EF7004D79BB9}" type="datetime1">
               <a:rPr lang="en-US" smtClean="0"/>
-              <a:t>5/31/20</a:t>
+              <a:t>6/1/20</a:t>
             </a:fld>
             <a:endParaRPr lang="en-US"/>
           </a:p>
@@ -1402,7 +1409,7 @@
           <a:p>
             <a:fld id="{FF87CAB8-DCAE-46A5-AADA-B3FAD11A54E0}" type="datetime1">
               <a:rPr lang="en-US" smtClean="0"/>
-              <a:t>5/31/20</a:t>
+              <a:t>6/1/20</a:t>
             </a:fld>
             <a:endParaRPr lang="en-US"/>
           </a:p>
@@ -1572,7 +1579,7 @@
           <a:p>
             <a:fld id="{7332B432-ACDA-4023-A761-2BAB76577B62}" type="datetime1">
               <a:rPr lang="en-US" smtClean="0"/>
-              <a:t>5/31/20</a:t>
+              <a:t>6/1/20</a:t>
             </a:fld>
             <a:endParaRPr lang="en-US"/>
           </a:p>
@@ -2171,7 +2178,7 @@
           <a:p>
             <a:fld id="{D9C646AA-F36E-4540-911D-FFFC0A0EF24A}" type="datetime1">
               <a:rPr lang="en-US" smtClean="0"/>
-              <a:t>5/31/20</a:t>
+              <a:t>6/1/20</a:t>
             </a:fld>
             <a:endParaRPr lang="en-US" dirty="0"/>
           </a:p>
@@ -2491,7 +2498,7 @@
           <a:p>
             <a:fld id="{69186D26-FA5F-4637-B602-B7C2DC34CFD4}" type="datetime1">
               <a:rPr lang="en-US" smtClean="0"/>
-              <a:t>5/31/20</a:t>
+              <a:t>6/1/20</a:t>
             </a:fld>
             <a:endParaRPr lang="en-US"/>
           </a:p>
@@ -2926,7 +2933,7 @@
           <a:p>
             <a:fld id="{8A7F15D8-96D1-4781-BC50-CA8A088B2FE4}" type="datetime1">
               <a:rPr lang="en-US" smtClean="0"/>
-              <a:t>5/31/20</a:t>
+              <a:t>6/1/20</a:t>
             </a:fld>
             <a:endParaRPr lang="en-US"/>
           </a:p>
@@ -3044,7 +3051,7 @@
           <a:p>
             <a:fld id="{F9A96C99-B8F8-4528-BD05-0E16E943DC09}" type="datetime1">
               <a:rPr lang="en-US" smtClean="0"/>
-              <a:t>5/31/20</a:t>
+              <a:t>6/1/20</a:t>
             </a:fld>
             <a:endParaRPr lang="en-US"/>
           </a:p>
@@ -3139,7 +3146,7 @@
           <a:p>
             <a:fld id="{03636942-C211-4B28-8DBD-C953E00AF71B}" type="datetime1">
               <a:rPr lang="en-US" smtClean="0"/>
-              <a:t>5/31/20</a:t>
+              <a:t>6/1/20</a:t>
             </a:fld>
             <a:endParaRPr lang="en-US"/>
           </a:p>
@@ -3556,7 +3563,7 @@
           <a:p>
             <a:fld id="{7E8D12A6-918A-48BD-8CB9-CA713993B0EA}" type="datetime1">
               <a:rPr lang="en-US" smtClean="0"/>
-              <a:t>5/31/20</a:t>
+              <a:t>6/1/20</a:t>
             </a:fld>
             <a:endParaRPr lang="en-US"/>
           </a:p>
@@ -3818,7 +3825,7 @@
             <a:fld id="{E778CE86-875F-4587-BCF6-FA054AFC0D53}" type="datetime1">
               <a:rPr lang="en-US" smtClean="0"/>
               <a:pPr/>
-              <a:t>5/31/20</a:t>
+              <a:t>6/1/20</a:t>
             </a:fld>
             <a:endParaRPr lang="en-US" dirty="0"/>
           </a:p>
@@ -4334,7 +4341,7 @@
           <a:p>
             <a:fld id="{F6FA2B21-3FCD-4721-B95C-427943F61125}" type="datetime1">
               <a:rPr lang="en-US" smtClean="0"/>
-              <a:t>5/31/20</a:t>
+              <a:t>6/1/20</a:t>
             </a:fld>
             <a:endParaRPr lang="en-US"/>
           </a:p>
@@ -5333,6 +5340,173 @@
 </p:sld>
 </file>
 
+<file path=ppt/slides/slide10.xml><?xml version="1.0" encoding="utf-8"?>
+<p:sld xmlns:a="http://schemas.openxmlformats.org/drawingml/2006/main" xmlns:r="http://schemas.openxmlformats.org/officeDocument/2006/relationships" xmlns:p="http://schemas.openxmlformats.org/presentationml/2006/main">
+  <p:cSld>
+    <p:spTree>
+      <p:nvGrpSpPr>
+        <p:cNvPr id="1" name=""/>
+        <p:cNvGrpSpPr/>
+        <p:nvPr/>
+      </p:nvGrpSpPr>
+      <p:grpSpPr>
+        <a:xfrm>
+          <a:off x="0" y="0"/>
+          <a:ext cx="0" cy="0"/>
+          <a:chOff x="0" y="0"/>
+          <a:chExt cx="0" cy="0"/>
+        </a:xfrm>
+      </p:grpSpPr>
+      <p:sp>
+        <p:nvSpPr>
+          <p:cNvPr id="2" name="Title 1">
+            <a:extLst>
+              <a:ext uri="{FF2B5EF4-FFF2-40B4-BE49-F238E27FC236}">
+                <a16:creationId xmlns:a16="http://schemas.microsoft.com/office/drawing/2014/main" id="{DDD21612-FF2D-B641-B857-A0BE8AE8E882}"/>
+              </a:ext>
+            </a:extLst>
+          </p:cNvPr>
+          <p:cNvSpPr>
+            <a:spLocks noGrp="1"/>
+          </p:cNvSpPr>
+          <p:nvPr>
+            <p:ph type="title"/>
+          </p:nvPr>
+        </p:nvSpPr>
+        <p:spPr/>
+        <p:txBody>
+          <a:bodyPr/>
+          <a:lstStyle/>
+          <a:p>
+            <a:r>
+              <a:rPr lang="en-US" dirty="0" err="1"/>
+              <a:t>Tableu</a:t>
+            </a:r>
+            <a:endParaRPr lang="en-US" dirty="0"/>
+          </a:p>
+        </p:txBody>
+      </p:sp>
+      <p:sp>
+        <p:nvSpPr>
+          <p:cNvPr id="3" name="Content Placeholder 2">
+            <a:extLst>
+              <a:ext uri="{FF2B5EF4-FFF2-40B4-BE49-F238E27FC236}">
+                <a16:creationId xmlns:a16="http://schemas.microsoft.com/office/drawing/2014/main" id="{B976D83C-3709-FA49-B044-F8DD7D43976C}"/>
+              </a:ext>
+            </a:extLst>
+          </p:cNvPr>
+          <p:cNvSpPr>
+            <a:spLocks noGrp="1"/>
+          </p:cNvSpPr>
+          <p:nvPr>
+            <p:ph idx="1"/>
+          </p:nvPr>
+        </p:nvSpPr>
+        <p:spPr/>
+        <p:txBody>
+          <a:bodyPr/>
+          <a:lstStyle/>
+          <a:p>
+            <a:endParaRPr lang="en-US" dirty="0"/>
+          </a:p>
+        </p:txBody>
+      </p:sp>
+    </p:spTree>
+    <p:extLst>
+      <p:ext uri="{BB962C8B-B14F-4D97-AF65-F5344CB8AC3E}">
+        <p14:creationId xmlns:p14="http://schemas.microsoft.com/office/powerpoint/2010/main" val="1724473854"/>
+      </p:ext>
+    </p:extLst>
+  </p:cSld>
+  <p:clrMapOvr>
+    <a:masterClrMapping/>
+  </p:clrMapOvr>
+</p:sld>
+</file>
+
+<file path=ppt/slides/slide11.xml><?xml version="1.0" encoding="utf-8"?>
+<p:sld xmlns:a="http://schemas.openxmlformats.org/drawingml/2006/main" xmlns:r="http://schemas.openxmlformats.org/officeDocument/2006/relationships" xmlns:p="http://schemas.openxmlformats.org/presentationml/2006/main">
+  <p:cSld>
+    <p:spTree>
+      <p:nvGrpSpPr>
+        <p:cNvPr id="1" name=""/>
+        <p:cNvGrpSpPr/>
+        <p:nvPr/>
+      </p:nvGrpSpPr>
+      <p:grpSpPr>
+        <a:xfrm>
+          <a:off x="0" y="0"/>
+          <a:ext cx="0" cy="0"/>
+          <a:chOff x="0" y="0"/>
+          <a:chExt cx="0" cy="0"/>
+        </a:xfrm>
+      </p:grpSpPr>
+      <p:sp>
+        <p:nvSpPr>
+          <p:cNvPr id="2" name="Title 1">
+            <a:extLst>
+              <a:ext uri="{FF2B5EF4-FFF2-40B4-BE49-F238E27FC236}">
+                <a16:creationId xmlns:a16="http://schemas.microsoft.com/office/drawing/2014/main" id="{BF3276DB-7333-B141-8CC5-93C2D6F07FC4}"/>
+              </a:ext>
+            </a:extLst>
+          </p:cNvPr>
+          <p:cNvSpPr>
+            <a:spLocks noGrp="1"/>
+          </p:cNvSpPr>
+          <p:nvPr>
+            <p:ph type="title"/>
+          </p:nvPr>
+        </p:nvSpPr>
+        <p:spPr/>
+        <p:txBody>
+          <a:bodyPr/>
+          <a:lstStyle/>
+          <a:p>
+            <a:r>
+              <a:rPr lang="en-US" dirty="0"/>
+              <a:t>Conclusion</a:t>
+            </a:r>
+          </a:p>
+        </p:txBody>
+      </p:sp>
+      <p:sp>
+        <p:nvSpPr>
+          <p:cNvPr id="3" name="Content Placeholder 2">
+            <a:extLst>
+              <a:ext uri="{FF2B5EF4-FFF2-40B4-BE49-F238E27FC236}">
+                <a16:creationId xmlns:a16="http://schemas.microsoft.com/office/drawing/2014/main" id="{D5E4637E-7F8C-6B43-A46B-635059B9C557}"/>
+              </a:ext>
+            </a:extLst>
+          </p:cNvPr>
+          <p:cNvSpPr>
+            <a:spLocks noGrp="1"/>
+          </p:cNvSpPr>
+          <p:nvPr>
+            <p:ph idx="1"/>
+          </p:nvPr>
+        </p:nvSpPr>
+        <p:spPr/>
+        <p:txBody>
+          <a:bodyPr/>
+          <a:lstStyle/>
+          <a:p>
+            <a:endParaRPr lang="en-US" dirty="0"/>
+          </a:p>
+        </p:txBody>
+      </p:sp>
+    </p:spTree>
+    <p:extLst>
+      <p:ext uri="{BB962C8B-B14F-4D97-AF65-F5344CB8AC3E}">
+        <p14:creationId xmlns:p14="http://schemas.microsoft.com/office/powerpoint/2010/main" val="3363090551"/>
+      </p:ext>
+    </p:extLst>
+  </p:cSld>
+  <p:clrMapOvr>
+    <a:masterClrMapping/>
+  </p:clrMapOvr>
+</p:sld>
+</file>
+
 <file path=ppt/slides/slide2.xml><?xml version="1.0" encoding="utf-8"?>
 <p:sld xmlns:a="http://schemas.openxmlformats.org/drawingml/2006/main" xmlns:r="http://schemas.openxmlformats.org/officeDocument/2006/relationships" xmlns:p="http://schemas.openxmlformats.org/presentationml/2006/main">
   <p:cSld>
@@ -5396,10 +5570,15 @@
         </p:nvSpPr>
         <p:spPr/>
         <p:txBody>
-          <a:bodyPr/>
+          <a:bodyPr>
+            <a:normAutofit/>
+          </a:bodyPr>
           <a:lstStyle/>
           <a:p>
-            <a:endParaRPr lang="en-US" dirty="0"/>
+            <a:r>
+              <a:rPr lang="en-US" sz="2400" dirty="0"/>
+              <a:t>We sourced our data from IMDB for movies that were released from 1986 – 2016 and found data for the Oscars and Golden Globes.</a:t>
+            </a:r>
           </a:p>
         </p:txBody>
       </p:sp>
@@ -7901,8 +8080,8 @@
         </p:nvSpPr>
         <p:spPr>
           <a:xfrm>
-            <a:off x="1307868" y="4582617"/>
-            <a:ext cx="9732773" cy="1465112"/>
+            <a:off x="1307869" y="4582617"/>
+            <a:ext cx="3711568" cy="1249700"/>
           </a:xfrm>
         </p:spPr>
         <p:txBody>
@@ -7917,7 +8096,7 @@
               </a:lnSpc>
             </a:pPr>
             <a:r>
-              <a:rPr lang="en-US" sz="5400" b="0" cap="all" spc="-100" dirty="0"/>
+              <a:rPr lang="en-US" sz="3600" b="0" cap="all" spc="-100" dirty="0"/>
               <a:t>Random Forrest </a:t>
             </a:r>
           </a:p>
@@ -8208,8 +8387,37 @@
         </p:blipFill>
         <p:spPr>
           <a:xfrm>
-            <a:off x="6261596" y="1651919"/>
-            <a:ext cx="4562856" cy="1703215"/>
+            <a:off x="5904124" y="1574054"/>
+            <a:ext cx="5814305" cy="2170354"/>
+          </a:xfrm>
+          <a:prstGeom prst="rect">
+            <a:avLst/>
+          </a:prstGeom>
+        </p:spPr>
+      </p:pic>
+      <p:pic>
+        <p:nvPicPr>
+          <p:cNvPr id="4" name="Picture 3">
+            <a:extLst>
+              <a:ext uri="{FF2B5EF4-FFF2-40B4-BE49-F238E27FC236}">
+                <a16:creationId xmlns:a16="http://schemas.microsoft.com/office/drawing/2014/main" id="{0D8BB667-987B-ED46-93BC-A94017B77931}"/>
+              </a:ext>
+            </a:extLst>
+          </p:cNvPr>
+          <p:cNvPicPr>
+            <a:picLocks noChangeAspect="1"/>
+          </p:cNvPicPr>
+          <p:nvPr/>
+        </p:nvPicPr>
+        <p:blipFill>
+          <a:blip r:embed="rId5"/>
+          <a:srcRect/>
+          <a:stretch/>
+        </p:blipFill>
+        <p:spPr>
+          <a:xfrm>
+            <a:off x="6200775" y="4159026"/>
+            <a:ext cx="3813308" cy="1595851"/>
           </a:xfrm>
           <a:prstGeom prst="rect">
             <a:avLst/>
@@ -8671,7 +8879,7 @@
         </p:blipFill>
         <p:spPr>
           <a:xfrm>
-            <a:off x="625974" y="2964459"/>
+            <a:off x="580087" y="2700690"/>
             <a:ext cx="3258630" cy="610992"/>
           </a:xfrm>
           <a:prstGeom prst="rect">
@@ -8701,8 +8909,68 @@
         </p:blipFill>
         <p:spPr>
           <a:xfrm>
-            <a:off x="541620" y="4982668"/>
+            <a:off x="625974" y="4779889"/>
             <a:ext cx="3258630" cy="863537"/>
+          </a:xfrm>
+          <a:prstGeom prst="rect">
+            <a:avLst/>
+          </a:prstGeom>
+        </p:spPr>
+      </p:pic>
+      <p:pic>
+        <p:nvPicPr>
+          <p:cNvPr id="3" name="Picture 2">
+            <a:extLst>
+              <a:ext uri="{FF2B5EF4-FFF2-40B4-BE49-F238E27FC236}">
+                <a16:creationId xmlns:a16="http://schemas.microsoft.com/office/drawing/2014/main" id="{4FA251D3-F9C3-8544-9246-6E7CAF897109}"/>
+              </a:ext>
+            </a:extLst>
+          </p:cNvPr>
+          <p:cNvPicPr>
+            <a:picLocks noChangeAspect="1"/>
+          </p:cNvPicPr>
+          <p:nvPr/>
+        </p:nvPicPr>
+        <p:blipFill>
+          <a:blip r:embed="rId5"/>
+          <a:stretch>
+            <a:fillRect/>
+          </a:stretch>
+        </p:blipFill>
+        <p:spPr>
+          <a:xfrm>
+            <a:off x="0" y="0"/>
+            <a:ext cx="12192000" cy="6858000"/>
+          </a:xfrm>
+          <a:prstGeom prst="rect">
+            <a:avLst/>
+          </a:prstGeom>
+        </p:spPr>
+      </p:pic>
+      <p:pic>
+        <p:nvPicPr>
+          <p:cNvPr id="4" name="Picture 3">
+            <a:extLst>
+              <a:ext uri="{FF2B5EF4-FFF2-40B4-BE49-F238E27FC236}">
+                <a16:creationId xmlns:a16="http://schemas.microsoft.com/office/drawing/2014/main" id="{83EA4B1A-6996-6E49-A900-F6FCACD3C663}"/>
+              </a:ext>
+            </a:extLst>
+          </p:cNvPr>
+          <p:cNvPicPr>
+            <a:picLocks noChangeAspect="1"/>
+          </p:cNvPicPr>
+          <p:nvPr/>
+        </p:nvPicPr>
+        <p:blipFill>
+          <a:blip r:embed="rId6"/>
+          <a:stretch>
+            <a:fillRect/>
+          </a:stretch>
+        </p:blipFill>
+        <p:spPr>
+          <a:xfrm>
+            <a:off x="0" y="0"/>
+            <a:ext cx="12192000" cy="6858000"/>
           </a:xfrm>
           <a:prstGeom prst="rect">
             <a:avLst/>
@@ -8725,6 +8993,14 @@
 <file path=ppt/slides/slide7.xml><?xml version="1.0" encoding="utf-8"?>
 <p:sld xmlns:a="http://schemas.openxmlformats.org/drawingml/2006/main" xmlns:r="http://schemas.openxmlformats.org/officeDocument/2006/relationships" xmlns:p="http://schemas.openxmlformats.org/presentationml/2006/main">
   <p:cSld>
+    <p:bg>
+      <p:bgPr>
+        <a:solidFill>
+          <a:schemeClr val="bg1"/>
+        </a:solidFill>
+        <a:effectLst/>
+      </p:bgPr>
+    </p:bg>
     <p:spTree>
       <p:nvGrpSpPr>
         <p:cNvPr id="1" name=""/>
@@ -8739,6 +9015,198 @@
           <a:chExt cx="0" cy="0"/>
         </a:xfrm>
       </p:grpSpPr>
+      <p:sp useBgFill="1">
+        <p:nvSpPr>
+          <p:cNvPr id="29" name="Rectangle 28">
+            <a:extLst>
+              <a:ext uri="{FF2B5EF4-FFF2-40B4-BE49-F238E27FC236}">
+                <a16:creationId xmlns:a16="http://schemas.microsoft.com/office/drawing/2014/main" id="{78632963-757B-40C2-BB84-FC6107A54DAD}"/>
+              </a:ext>
+              <a:ext uri="{C183D7F6-B498-43B3-948B-1728B52AA6E4}">
+                <adec:decorative xmlns:adec="http://schemas.microsoft.com/office/drawing/2017/decorative" val="1"/>
+              </a:ext>
+            </a:extLst>
+          </p:cNvPr>
+          <p:cNvSpPr>
+            <a:spLocks noGrp="1" noRot="1" noChangeAspect="1" noMove="1" noResize="1" noEditPoints="1" noAdjustHandles="1" noChangeArrowheads="1" noChangeShapeType="1" noTextEdit="1"/>
+          </p:cNvSpPr>
+          <p:nvPr>
+            <p:extLst>
+              <p:ext uri="{386F3935-93C4-4BCD-93E2-E3B085C9AB24}">
+                <p16:designElem xmlns:p16="http://schemas.microsoft.com/office/powerpoint/2015/main" val="1"/>
+              </p:ext>
+            </p:extLst>
+          </p:nvPr>
+        </p:nvSpPr>
+        <p:spPr>
+          <a:xfrm>
+            <a:off x="-1866" y="0"/>
+            <a:ext cx="12193866" cy="6858000"/>
+          </a:xfrm>
+          <a:prstGeom prst="rect">
+            <a:avLst/>
+          </a:prstGeom>
+          <a:ln>
+            <a:noFill/>
+          </a:ln>
+        </p:spPr>
+        <p:style>
+          <a:lnRef idx="2">
+            <a:schemeClr val="accent1">
+              <a:shade val="50000"/>
+            </a:schemeClr>
+          </a:lnRef>
+          <a:fillRef idx="1">
+            <a:schemeClr val="accent1"/>
+          </a:fillRef>
+          <a:effectRef idx="0">
+            <a:schemeClr val="accent1"/>
+          </a:effectRef>
+          <a:fontRef idx="minor">
+            <a:schemeClr val="lt1"/>
+          </a:fontRef>
+        </p:style>
+        <p:txBody>
+          <a:bodyPr rtlCol="0" anchor="ctr"/>
+          <a:lstStyle/>
+          <a:p>
+            <a:pPr algn="ctr"/>
+            <a:endParaRPr lang="en-US" dirty="0"/>
+          </a:p>
+        </p:txBody>
+      </p:sp>
+      <p:sp>
+        <p:nvSpPr>
+          <p:cNvPr id="31" name="Rectangle 30">
+            <a:extLst>
+              <a:ext uri="{FF2B5EF4-FFF2-40B4-BE49-F238E27FC236}">
+                <a16:creationId xmlns:a16="http://schemas.microsoft.com/office/drawing/2014/main" id="{2853AE55-7E35-44B0-89F1-3F52B262AF33}"/>
+              </a:ext>
+              <a:ext uri="{C183D7F6-B498-43B3-948B-1728B52AA6E4}">
+                <adec:decorative xmlns:adec="http://schemas.microsoft.com/office/drawing/2017/decorative" val="1"/>
+              </a:ext>
+            </a:extLst>
+          </p:cNvPr>
+          <p:cNvSpPr>
+            <a:spLocks noGrp="1" noRot="1" noChangeAspect="1" noMove="1" noResize="1" noEditPoints="1" noAdjustHandles="1" noChangeArrowheads="1" noChangeShapeType="1" noTextEdit="1"/>
+          </p:cNvSpPr>
+          <p:nvPr>
+            <p:extLst>
+              <p:ext uri="{386F3935-93C4-4BCD-93E2-E3B085C9AB24}">
+                <p16:designElem xmlns:p16="http://schemas.microsoft.com/office/powerpoint/2015/main" val="1"/>
+              </p:ext>
+            </p:extLst>
+          </p:nvPr>
+        </p:nvSpPr>
+        <p:spPr>
+          <a:xfrm>
+            <a:off x="6339709" y="253548"/>
+            <a:ext cx="5612193" cy="6361598"/>
+          </a:xfrm>
+          <a:prstGeom prst="rect">
+            <a:avLst/>
+          </a:prstGeom>
+          <a:solidFill>
+            <a:schemeClr val="bg1">
+              <a:lumMod val="75000"/>
+              <a:alpha val="60000"/>
+            </a:schemeClr>
+          </a:solidFill>
+          <a:ln>
+            <a:noFill/>
+          </a:ln>
+        </p:spPr>
+        <p:style>
+          <a:lnRef idx="2">
+            <a:schemeClr val="accent1">
+              <a:shade val="50000"/>
+            </a:schemeClr>
+          </a:lnRef>
+          <a:fillRef idx="1">
+            <a:schemeClr val="accent1"/>
+          </a:fillRef>
+          <a:effectRef idx="0">
+            <a:schemeClr val="accent1"/>
+          </a:effectRef>
+          <a:fontRef idx="minor">
+            <a:schemeClr val="lt1"/>
+          </a:fontRef>
+        </p:style>
+        <p:txBody>
+          <a:bodyPr rtlCol="0" anchor="ctr"/>
+          <a:lstStyle/>
+          <a:p>
+            <a:pPr algn="ctr"/>
+            <a:endParaRPr lang="en-US"/>
+          </a:p>
+        </p:txBody>
+      </p:sp>
+      <p:sp>
+        <p:nvSpPr>
+          <p:cNvPr id="33" name="Rectangle 32">
+            <a:extLst>
+              <a:ext uri="{FF2B5EF4-FFF2-40B4-BE49-F238E27FC236}">
+                <a16:creationId xmlns:a16="http://schemas.microsoft.com/office/drawing/2014/main" id="{DBC4BE4D-4B50-4F51-9F85-4B5D60B02D81}"/>
+              </a:ext>
+              <a:ext uri="{C183D7F6-B498-43B3-948B-1728B52AA6E4}">
+                <adec:decorative xmlns:adec="http://schemas.microsoft.com/office/drawing/2017/decorative" val="1"/>
+              </a:ext>
+            </a:extLst>
+          </p:cNvPr>
+          <p:cNvSpPr>
+            <a:spLocks noGrp="1" noRot="1" noChangeAspect="1" noMove="1" noResize="1" noEditPoints="1" noAdjustHandles="1" noChangeArrowheads="1" noChangeShapeType="1" noTextEdit="1"/>
+          </p:cNvSpPr>
+          <p:nvPr>
+            <p:extLst>
+              <p:ext uri="{386F3935-93C4-4BCD-93E2-E3B085C9AB24}">
+                <p16:designElem xmlns:p16="http://schemas.microsoft.com/office/powerpoint/2015/main" val="1"/>
+              </p:ext>
+            </p:extLst>
+          </p:nvPr>
+        </p:nvSpPr>
+        <p:spPr>
+          <a:xfrm>
+            <a:off x="6487542" y="407588"/>
+            <a:ext cx="5299768" cy="6022878"/>
+          </a:xfrm>
+          <a:prstGeom prst="rect">
+            <a:avLst/>
+          </a:prstGeom>
+          <a:noFill/>
+          <a:ln w="6350">
+            <a:solidFill>
+              <a:schemeClr val="tx1">
+                <a:lumMod val="75000"/>
+                <a:lumOff val="25000"/>
+              </a:schemeClr>
+            </a:solidFill>
+          </a:ln>
+        </p:spPr>
+        <p:style>
+          <a:lnRef idx="2">
+            <a:schemeClr val="accent1">
+              <a:shade val="50000"/>
+            </a:schemeClr>
+          </a:lnRef>
+          <a:fillRef idx="1">
+            <a:schemeClr val="accent1"/>
+          </a:fillRef>
+          <a:effectRef idx="0">
+            <a:schemeClr val="accent1"/>
+          </a:effectRef>
+          <a:fontRef idx="minor">
+            <a:schemeClr val="lt1"/>
+          </a:fontRef>
+        </p:style>
+        <p:txBody>
+          <a:bodyPr rtlCol="0" anchor="ctr"/>
+          <a:lstStyle/>
+          <a:p>
+            <a:pPr algn="ctr"/>
+            <a:endParaRPr lang="en-US"/>
+          </a:p>
+        </p:txBody>
+      </p:sp>
       <p:sp>
         <p:nvSpPr>
           <p:cNvPr id="2" name="Title 1">
@@ -8755,44 +9223,118 @@
             <p:ph type="title"/>
           </p:nvPr>
         </p:nvSpPr>
-        <p:spPr/>
+        <p:spPr>
+          <a:xfrm>
+            <a:off x="6846137" y="804073"/>
+            <a:ext cx="4602152" cy="1345449"/>
+          </a:xfrm>
+        </p:spPr>
         <p:txBody>
-          <a:bodyPr/>
+          <a:bodyPr>
+            <a:normAutofit/>
+          </a:bodyPr>
           <a:lstStyle/>
           <a:p>
-            <a:endParaRPr lang="en-US"/>
+            <a:r>
+              <a:rPr lang="en-US" dirty="0"/>
+              <a:t>Deep Learning – IMDb Predictions</a:t>
+            </a:r>
           </a:p>
         </p:txBody>
       </p:sp>
-      <p:sp>
-        <p:nvSpPr>
-          <p:cNvPr id="3" name="Content Placeholder 2">
+      <p:pic>
+        <p:nvPicPr>
+          <p:cNvPr id="21" name="Picture 20" descr="A screenshot of a cell phone&#10;&#10;Description automatically generated">
             <a:extLst>
               <a:ext uri="{FF2B5EF4-FFF2-40B4-BE49-F238E27FC236}">
-                <a16:creationId xmlns:a16="http://schemas.microsoft.com/office/drawing/2014/main" id="{FB40ABAC-B40B-8944-9A47-D87D9E113F69}"/>
+                <a16:creationId xmlns:a16="http://schemas.microsoft.com/office/drawing/2014/main" id="{F3091A69-4184-3441-B9E6-1932DEEEA93C}"/>
               </a:ext>
             </a:extLst>
           </p:cNvPr>
-          <p:cNvSpPr>
-            <a:spLocks noGrp="1"/>
-          </p:cNvSpPr>
+          <p:cNvPicPr>
+            <a:picLocks noChangeAspect="1"/>
+          </p:cNvPicPr>
+          <p:nvPr/>
+        </p:nvPicPr>
+        <p:blipFill>
+          <a:blip r:embed="rId2"/>
+          <a:stretch>
+            <a:fillRect/>
+          </a:stretch>
+        </p:blipFill>
+        <p:spPr>
+          <a:xfrm>
+            <a:off x="404690" y="5070053"/>
+            <a:ext cx="5060992" cy="948934"/>
+          </a:xfrm>
+          <a:prstGeom prst="rect">
+            <a:avLst/>
+          </a:prstGeom>
+        </p:spPr>
+      </p:pic>
+      <p:pic>
+        <p:nvPicPr>
+          <p:cNvPr id="19" name="Picture 18" descr="A screenshot of a cell phone&#10;&#10;Description automatically generated">
+            <a:extLst>
+              <a:ext uri="{FF2B5EF4-FFF2-40B4-BE49-F238E27FC236}">
+                <a16:creationId xmlns:a16="http://schemas.microsoft.com/office/drawing/2014/main" id="{B7E9FA4B-8841-1445-96AD-334A0C0B09AB}"/>
+              </a:ext>
+            </a:extLst>
+          </p:cNvPr>
+          <p:cNvPicPr>
+            <a:picLocks noChangeAspect="1"/>
+          </p:cNvPicPr>
+          <p:nvPr/>
+        </p:nvPicPr>
+        <p:blipFill>
+          <a:blip r:embed="rId3"/>
+          <a:stretch>
+            <a:fillRect/>
+          </a:stretch>
+        </p:blipFill>
+        <p:spPr>
+          <a:xfrm>
+            <a:off x="708844" y="1913384"/>
+            <a:ext cx="4452684" cy="2771795"/>
+          </a:xfrm>
+          <a:prstGeom prst="rect">
+            <a:avLst/>
+          </a:prstGeom>
+        </p:spPr>
+      </p:pic>
+      <p:pic>
+        <p:nvPicPr>
+          <p:cNvPr id="26" name="Content Placeholder 25" descr="A screenshot of a cell phone&#10;&#10;Description automatically generated">
+            <a:extLst>
+              <a:ext uri="{FF2B5EF4-FFF2-40B4-BE49-F238E27FC236}">
+                <a16:creationId xmlns:a16="http://schemas.microsoft.com/office/drawing/2014/main" id="{3AB95758-2BA3-DD44-8E67-BA4883750EC4}"/>
+              </a:ext>
+            </a:extLst>
+          </p:cNvPr>
+          <p:cNvPicPr>
+            <a:picLocks noGrp="1" noChangeAspect="1"/>
+          </p:cNvPicPr>
           <p:nvPr>
             <p:ph idx="1"/>
           </p:nvPr>
-        </p:nvSpPr>
-        <p:spPr/>
-        <p:txBody>
-          <a:bodyPr/>
-          <a:lstStyle/>
-          <a:p>
-            <a:endParaRPr lang="en-US"/>
-          </a:p>
-        </p:txBody>
-      </p:sp>
+        </p:nvPicPr>
+        <p:blipFill>
+          <a:blip r:embed="rId4"/>
+          <a:stretch>
+            <a:fillRect/>
+          </a:stretch>
+        </p:blipFill>
+        <p:spPr>
+          <a:xfrm>
+            <a:off x="708844" y="758900"/>
+            <a:ext cx="4602162" cy="630941"/>
+          </a:xfrm>
+        </p:spPr>
+      </p:pic>
     </p:spTree>
     <p:extLst>
       <p:ext uri="{BB962C8B-B14F-4D97-AF65-F5344CB8AC3E}">
-        <p14:creationId xmlns:p14="http://schemas.microsoft.com/office/powerpoint/2010/main" val="3141874558"/>
+        <p14:creationId xmlns:p14="http://schemas.microsoft.com/office/powerpoint/2010/main" val="3637724951"/>
       </p:ext>
     </p:extLst>
   </p:cSld>
@@ -8824,7 +9366,7 @@
           <p:cNvPr id="2" name="Title 1">
             <a:extLst>
               <a:ext uri="{FF2B5EF4-FFF2-40B4-BE49-F238E27FC236}">
-                <a16:creationId xmlns:a16="http://schemas.microsoft.com/office/drawing/2014/main" id="{DDD21612-FF2D-B641-B857-A0BE8AE8E882}"/>
+                <a16:creationId xmlns:a16="http://schemas.microsoft.com/office/drawing/2014/main" id="{AE31D7CC-3B7A-3B4D-8097-0167D5B9EF05}"/>
               </a:ext>
             </a:extLst>
           </p:cNvPr>
@@ -8841,42 +9383,138 @@
           <a:lstStyle/>
           <a:p>
             <a:r>
-              <a:rPr lang="en-US" dirty="0" err="1"/>
-              <a:t>Tableu</a:t>
+              <a:rPr lang="en-US" dirty="0"/>
+              <a:t>IMDb Testing model</a:t>
             </a:r>
-            <a:endParaRPr lang="en-US" dirty="0"/>
           </a:p>
         </p:txBody>
       </p:sp>
-      <p:sp>
-        <p:nvSpPr>
-          <p:cNvPr id="3" name="Content Placeholder 2">
+      <p:pic>
+        <p:nvPicPr>
+          <p:cNvPr id="5" name="Content Placeholder 16" descr="A screenshot of a cell phone&#10;&#10;Description automatically generated">
             <a:extLst>
               <a:ext uri="{FF2B5EF4-FFF2-40B4-BE49-F238E27FC236}">
-                <a16:creationId xmlns:a16="http://schemas.microsoft.com/office/drawing/2014/main" id="{B976D83C-3709-FA49-B044-F8DD7D43976C}"/>
+                <a16:creationId xmlns:a16="http://schemas.microsoft.com/office/drawing/2014/main" id="{D7461B8D-4DD0-5C4D-86A2-58D510F3EE5A}"/>
               </a:ext>
             </a:extLst>
           </p:cNvPr>
-          <p:cNvSpPr>
-            <a:spLocks noGrp="1"/>
-          </p:cNvSpPr>
+          <p:cNvPicPr>
+            <a:picLocks noChangeAspect="1"/>
+          </p:cNvPicPr>
+          <p:nvPr/>
+        </p:nvPicPr>
+        <p:blipFill>
+          <a:blip r:embed="rId2"/>
+          <a:stretch>
+            <a:fillRect/>
+          </a:stretch>
+        </p:blipFill>
+        <p:spPr>
+          <a:xfrm>
+            <a:off x="1066800" y="1650359"/>
+            <a:ext cx="8178800" cy="2171700"/>
+          </a:xfrm>
+          <a:prstGeom prst="rect">
+            <a:avLst/>
+          </a:prstGeom>
+        </p:spPr>
+      </p:pic>
+      <p:pic>
+        <p:nvPicPr>
+          <p:cNvPr id="11" name="Content Placeholder 10" descr="A screenshot of a cell phone&#10;&#10;Description automatically generated">
+            <a:extLst>
+              <a:ext uri="{FF2B5EF4-FFF2-40B4-BE49-F238E27FC236}">
+                <a16:creationId xmlns:a16="http://schemas.microsoft.com/office/drawing/2014/main" id="{096DD3D7-F1AF-2346-8B20-FA62042B7AB6}"/>
+              </a:ext>
+            </a:extLst>
+          </p:cNvPr>
+          <p:cNvPicPr>
+            <a:picLocks noGrp="1" noChangeAspect="1"/>
+          </p:cNvPicPr>
           <p:nvPr>
             <p:ph idx="1"/>
           </p:nvPr>
-        </p:nvSpPr>
-        <p:spPr/>
+        </p:nvPicPr>
+        <p:blipFill>
+          <a:blip r:embed="rId3"/>
+          <a:stretch>
+            <a:fillRect/>
+          </a:stretch>
+        </p:blipFill>
+        <p:spPr>
+          <a:xfrm>
+            <a:off x="1066800" y="3783690"/>
+            <a:ext cx="5549900" cy="2540000"/>
+          </a:xfrm>
+        </p:spPr>
+      </p:pic>
+      <p:sp>
+        <p:nvSpPr>
+          <p:cNvPr id="12" name="TextBox 11">
+            <a:extLst>
+              <a:ext uri="{FF2B5EF4-FFF2-40B4-BE49-F238E27FC236}">
+                <a16:creationId xmlns:a16="http://schemas.microsoft.com/office/drawing/2014/main" id="{6018AFFD-4C25-E141-B6BD-06B6D7F3740F}"/>
+              </a:ext>
+            </a:extLst>
+          </p:cNvPr>
+          <p:cNvSpPr txBox="1"/>
+          <p:nvPr/>
+        </p:nvSpPr>
+        <p:spPr>
+          <a:xfrm>
+            <a:off x="6791158" y="4846362"/>
+            <a:ext cx="4908884" cy="1477328"/>
+          </a:xfrm>
+          <a:prstGeom prst="rect">
+            <a:avLst/>
+          </a:prstGeom>
+          <a:noFill/>
+        </p:spPr>
         <p:txBody>
-          <a:bodyPr/>
+          <a:bodyPr wrap="square" rtlCol="0">
+            <a:spAutoFit/>
+          </a:bodyPr>
           <a:lstStyle/>
           <a:p>
-            <a:endParaRPr lang="en-US" dirty="0"/>
+            <a:r>
+              <a:rPr lang="en-US" dirty="0"/>
+              <a:t>Parasite actual score – 8.6</a:t>
+            </a:r>
+          </a:p>
+          <a:p>
+            <a:r>
+              <a:rPr lang="en-US" dirty="0"/>
+              <a:t>Uncut Gems score – 7.5</a:t>
+            </a:r>
+          </a:p>
+          <a:p>
+            <a:r>
+              <a:rPr lang="en-US" dirty="0"/>
+              <a:t>Joker score – 8.5</a:t>
+            </a:r>
+          </a:p>
+          <a:p>
+            <a:r>
+              <a:rPr lang="en-US" dirty="0"/>
+              <a:t>Lighthouse score – 7.6</a:t>
+            </a:r>
+          </a:p>
+          <a:p>
+            <a:r>
+              <a:rPr lang="en-US" dirty="0" err="1"/>
+              <a:t>UglyDolls</a:t>
+            </a:r>
+            <a:r>
+              <a:rPr lang="en-US" dirty="0"/>
+              <a:t> – 4.9</a:t>
+            </a:r>
           </a:p>
         </p:txBody>
       </p:sp>
     </p:spTree>
     <p:extLst>
       <p:ext uri="{BB962C8B-B14F-4D97-AF65-F5344CB8AC3E}">
-        <p14:creationId xmlns:p14="http://schemas.microsoft.com/office/powerpoint/2010/main" val="1724473854"/>
+        <p14:creationId xmlns:p14="http://schemas.microsoft.com/office/powerpoint/2010/main" val="3248072015"/>
       </p:ext>
     </p:extLst>
   </p:cSld>
@@ -8908,7 +9546,7 @@
           <p:cNvPr id="2" name="Title 1">
             <a:extLst>
               <a:ext uri="{FF2B5EF4-FFF2-40B4-BE49-F238E27FC236}">
-                <a16:creationId xmlns:a16="http://schemas.microsoft.com/office/drawing/2014/main" id="{BF3276DB-7333-B141-8CC5-93C2D6F07FC4}"/>
+                <a16:creationId xmlns:a16="http://schemas.microsoft.com/office/drawing/2014/main" id="{7B89C3D2-3F05-244A-9C2B-4E82D4EA5D5C}"/>
               </a:ext>
             </a:extLst>
           </p:cNvPr>
@@ -8926,40 +9564,74 @@
           <a:p>
             <a:r>
               <a:rPr lang="en-US" dirty="0"/>
-              <a:t>Conclusion</a:t>
+              <a:t>Deep Learning – Award Predictions</a:t>
             </a:r>
           </a:p>
         </p:txBody>
       </p:sp>
-      <p:sp>
-        <p:nvSpPr>
-          <p:cNvPr id="3" name="Content Placeholder 2">
+      <p:pic>
+        <p:nvPicPr>
+          <p:cNvPr id="5" name="Content Placeholder 4" descr="A screenshot of a cell phone&#10;&#10;Description automatically generated">
             <a:extLst>
               <a:ext uri="{FF2B5EF4-FFF2-40B4-BE49-F238E27FC236}">
-                <a16:creationId xmlns:a16="http://schemas.microsoft.com/office/drawing/2014/main" id="{D5E4637E-7F8C-6B43-A46B-635059B9C557}"/>
+                <a16:creationId xmlns:a16="http://schemas.microsoft.com/office/drawing/2014/main" id="{7CF3A939-60C5-A348-B77C-D5C5C92CC7EE}"/>
               </a:ext>
             </a:extLst>
           </p:cNvPr>
-          <p:cNvSpPr>
-            <a:spLocks noGrp="1"/>
-          </p:cNvSpPr>
+          <p:cNvPicPr>
+            <a:picLocks noGrp="1" noChangeAspect="1"/>
+          </p:cNvPicPr>
           <p:nvPr>
             <p:ph idx="1"/>
           </p:nvPr>
-        </p:nvSpPr>
-        <p:spPr/>
-        <p:txBody>
-          <a:bodyPr/>
-          <a:lstStyle/>
-          <a:p>
-            <a:endParaRPr lang="en-US" dirty="0"/>
-          </a:p>
-        </p:txBody>
-      </p:sp>
+        </p:nvPicPr>
+        <p:blipFill>
+          <a:blip r:embed="rId2"/>
+          <a:stretch>
+            <a:fillRect/>
+          </a:stretch>
+        </p:blipFill>
+        <p:spPr>
+          <a:xfrm>
+            <a:off x="822325" y="2250295"/>
+            <a:ext cx="5621338" cy="1092229"/>
+          </a:xfrm>
+        </p:spPr>
+      </p:pic>
+      <p:pic>
+        <p:nvPicPr>
+          <p:cNvPr id="7" name="Picture 6" descr="A screenshot of a cell phone&#10;&#10;Description automatically generated">
+            <a:extLst>
+              <a:ext uri="{FF2B5EF4-FFF2-40B4-BE49-F238E27FC236}">
+                <a16:creationId xmlns:a16="http://schemas.microsoft.com/office/drawing/2014/main" id="{F7061906-28A9-CE42-A6CE-3047FFB97B56}"/>
+              </a:ext>
+            </a:extLst>
+          </p:cNvPr>
+          <p:cNvPicPr>
+            <a:picLocks noChangeAspect="1"/>
+          </p:cNvPicPr>
+          <p:nvPr/>
+        </p:nvPicPr>
+        <p:blipFill>
+          <a:blip r:embed="rId3"/>
+          <a:stretch>
+            <a:fillRect/>
+          </a:stretch>
+        </p:blipFill>
+        <p:spPr>
+          <a:xfrm>
+            <a:off x="822325" y="3578625"/>
+            <a:ext cx="8831962" cy="1993500"/>
+          </a:xfrm>
+          <a:prstGeom prst="rect">
+            <a:avLst/>
+          </a:prstGeom>
+        </p:spPr>
+      </p:pic>
     </p:spTree>
     <p:extLst>
       <p:ext uri="{BB962C8B-B14F-4D97-AF65-F5344CB8AC3E}">
-        <p14:creationId xmlns:p14="http://schemas.microsoft.com/office/powerpoint/2010/main" val="3363090551"/>
+        <p14:creationId xmlns:p14="http://schemas.microsoft.com/office/powerpoint/2010/main" val="3141874558"/>
       </p:ext>
     </p:extLst>
   </p:cSld>

--- a/IMDB Pres.pptx
+++ b/IMDB Pres.pptx
@@ -5407,6 +5407,12 @@
           <a:bodyPr/>
           <a:lstStyle/>
           <a:p>
+            <a:r>
+              <a:rPr lang="en-US" dirty="0">
+                <a:hlinkClick r:id="rId2"/>
+              </a:rPr>
+              <a:t>https://public.tableau.com/profile/robert.mclauchlan - !/vizhome/MovieUpdated/FilmCompanyRevBudget</a:t>
+            </a:r>
             <a:endParaRPr lang="en-US" dirty="0"/>
           </a:p>
         </p:txBody>
